--- a/Lecture 26.pptx
+++ b/Lecture 26.pptx
@@ -230,7 +230,7 @@
           <a:p>
             <a:fld id="{296DB3A3-BEBB-46B6-9B07-D466DD6BDE78}" type="datetimeFigureOut">
               <a:rPr lang="en-US" smtClean="0"/>
-              <a:t>5/30/2024</a:t>
+              <a:t>6/3/2024</a:t>
             </a:fld>
             <a:endParaRPr lang="en-US"/>
           </a:p>
@@ -678,7 +678,7 @@
           <a:p>
             <a:fld id="{4BA61B16-37B5-4351-BAD5-BBF844435BAE}" type="datetime1">
               <a:rPr lang="en-US" smtClean="0"/>
-              <a:t>5/30/2024</a:t>
+              <a:t>6/3/2024</a:t>
             </a:fld>
             <a:endParaRPr lang="en-IN"/>
           </a:p>
@@ -848,7 +848,7 @@
           <a:p>
             <a:fld id="{8E100FD5-86C6-485F-803A-A299297FB22E}" type="datetime1">
               <a:rPr lang="en-US" smtClean="0"/>
-              <a:t>5/30/2024</a:t>
+              <a:t>6/3/2024</a:t>
             </a:fld>
             <a:endParaRPr lang="en-IN"/>
           </a:p>
@@ -1028,7 +1028,7 @@
           <a:p>
             <a:fld id="{89334C96-BCB9-453B-BE08-7EFAA7BAC2B9}" type="datetime1">
               <a:rPr lang="en-US" smtClean="0"/>
-              <a:t>5/30/2024</a:t>
+              <a:t>6/3/2024</a:t>
             </a:fld>
             <a:endParaRPr lang="en-IN"/>
           </a:p>
@@ -1198,7 +1198,7 @@
           <a:p>
             <a:fld id="{C867DA6E-8941-4F95-8FE7-288BDA956267}" type="datetime1">
               <a:rPr lang="en-US" smtClean="0"/>
-              <a:t>5/30/2024</a:t>
+              <a:t>6/3/2024</a:t>
             </a:fld>
             <a:endParaRPr lang="en-IN"/>
           </a:p>
@@ -1444,7 +1444,7 @@
           <a:p>
             <a:fld id="{5DA1BC97-A477-40EB-B448-98CD9ACF11AB}" type="datetime1">
               <a:rPr lang="en-US" smtClean="0"/>
-              <a:t>5/30/2024</a:t>
+              <a:t>6/3/2024</a:t>
             </a:fld>
             <a:endParaRPr lang="en-IN"/>
           </a:p>
@@ -1732,7 +1732,7 @@
           <a:p>
             <a:fld id="{7FBB0CF3-9FF8-47C2-88C7-467EA9854E64}" type="datetime1">
               <a:rPr lang="en-US" smtClean="0"/>
-              <a:t>5/30/2024</a:t>
+              <a:t>6/3/2024</a:t>
             </a:fld>
             <a:endParaRPr lang="en-IN"/>
           </a:p>
@@ -2154,7 +2154,7 @@
           <a:p>
             <a:fld id="{7F5A84D9-27F0-4063-8E2F-43C407CB0CBA}" type="datetime1">
               <a:rPr lang="en-US" smtClean="0"/>
-              <a:t>5/30/2024</a:t>
+              <a:t>6/3/2024</a:t>
             </a:fld>
             <a:endParaRPr lang="en-IN"/>
           </a:p>
@@ -2272,7 +2272,7 @@
           <a:p>
             <a:fld id="{07A1B1CD-E166-4820-9ACC-C9479FE309BE}" type="datetime1">
               <a:rPr lang="en-US" smtClean="0"/>
-              <a:t>5/30/2024</a:t>
+              <a:t>6/3/2024</a:t>
             </a:fld>
             <a:endParaRPr lang="en-IN"/>
           </a:p>
@@ -2367,7 +2367,7 @@
           <a:p>
             <a:fld id="{B735069B-088E-46AE-8F71-0EF81679F9BC}" type="datetime1">
               <a:rPr lang="en-US" smtClean="0"/>
-              <a:t>5/30/2024</a:t>
+              <a:t>6/3/2024</a:t>
             </a:fld>
             <a:endParaRPr lang="en-IN"/>
           </a:p>
@@ -2644,7 +2644,7 @@
           <a:p>
             <a:fld id="{BEF959C3-6D9B-4D3D-8A5F-C5093CF5628A}" type="datetime1">
               <a:rPr lang="en-US" smtClean="0"/>
-              <a:t>5/30/2024</a:t>
+              <a:t>6/3/2024</a:t>
             </a:fld>
             <a:endParaRPr lang="en-IN"/>
           </a:p>
@@ -2897,7 +2897,7 @@
           <a:p>
             <a:fld id="{05EFCAD9-EB91-469A-BF8F-E527E7FECA47}" type="datetime1">
               <a:rPr lang="en-US" smtClean="0"/>
-              <a:t>5/30/2024</a:t>
+              <a:t>6/3/2024</a:t>
             </a:fld>
             <a:endParaRPr lang="en-IN"/>
           </a:p>
@@ -3110,7 +3110,7 @@
           <a:p>
             <a:fld id="{BC6E0374-3565-40EF-B365-25D60598141E}" type="datetime1">
               <a:rPr lang="en-US" smtClean="0"/>
-              <a:t>5/30/2024</a:t>
+              <a:t>6/3/2024</a:t>
             </a:fld>
             <a:endParaRPr lang="en-IN"/>
           </a:p>
@@ -8226,59 +8226,18 @@
               <a:buNone/>
             </a:pPr>
             <a:r>
+              <a:rPr lang="en-US" sz="2400">
+                <a:latin typeface="Arial" panose="020B0604020202020204" pitchFamily="34" charset="0"/>
+                <a:cs typeface="Arial" panose="020B0604020202020204" pitchFamily="34" charset="0"/>
+              </a:rPr>
+              <a:t>    </a:t>
+            </a:r>
+            <a:r>
               <a:rPr lang="en-US" sz="2400" dirty="0">
                 <a:latin typeface="Arial" panose="020B0604020202020204" pitchFamily="34" charset="0"/>
                 <a:cs typeface="Arial" panose="020B0604020202020204" pitchFamily="34" charset="0"/>
               </a:rPr>
-              <a:t>    case "Wednesday":</a:t>
-            </a:r>
-          </a:p>
-          <a:p>
-            <a:pPr marL="0" indent="0" algn="just">
-              <a:buNone/>
-            </a:pPr>
-            <a:r>
-              <a:rPr lang="en-US" sz="2400" dirty="0">
-                <a:latin typeface="Arial" panose="020B0604020202020204" pitchFamily="34" charset="0"/>
-                <a:cs typeface="Arial" panose="020B0604020202020204" pitchFamily="34" charset="0"/>
-              </a:rPr>
-              <a:t>        yield "Weekday";</a:t>
-            </a:r>
-          </a:p>
-          <a:p>
-            <a:pPr marL="0" indent="0" algn="just">
-              <a:buNone/>
-            </a:pPr>
-            <a:r>
-              <a:rPr lang="en-US" sz="2400" dirty="0">
-                <a:latin typeface="Arial" panose="020B0604020202020204" pitchFamily="34" charset="0"/>
-                <a:cs typeface="Arial" panose="020B0604020202020204" pitchFamily="34" charset="0"/>
-              </a:rPr>
-              <a:t>    case "Saturday":</a:t>
-            </a:r>
-          </a:p>
-          <a:p>
-            <a:pPr marL="0" indent="0" algn="just">
-              <a:buNone/>
-            </a:pPr>
-            <a:r>
-              <a:rPr lang="en-US" sz="2400" dirty="0">
-                <a:latin typeface="Arial" panose="020B0604020202020204" pitchFamily="34" charset="0"/>
-                <a:cs typeface="Arial" panose="020B0604020202020204" pitchFamily="34" charset="0"/>
-              </a:rPr>
-              <a:t>        yield "Weekend";</a:t>
-            </a:r>
-          </a:p>
-          <a:p>
-            <a:pPr marL="0" indent="0" algn="just">
-              <a:buNone/>
-            </a:pPr>
-            <a:r>
-              <a:rPr lang="en-US" sz="2400" dirty="0">
-                <a:latin typeface="Arial" panose="020B0604020202020204" pitchFamily="34" charset="0"/>
-                <a:cs typeface="Arial" panose="020B0604020202020204" pitchFamily="34" charset="0"/>
-              </a:rPr>
-              <a:t>    case "Sunday":</a:t>
+              <a:t>case "Sunday":</a:t>
             </a:r>
           </a:p>
           <a:p>
